--- a/Capstone3_Presentation.pptx
+++ b/Capstone3_Presentation.pptx
@@ -15,6 +15,7 @@
     <p:sldId id="265" r:id="rId9"/>
     <p:sldId id="267" r:id="rId10"/>
     <p:sldId id="266" r:id="rId11"/>
+    <p:sldId id="268" r:id="rId12"/>
   </p:sldIdLst>
   <p:sldSz cx="12192000" cy="6858000"/>
   <p:notesSz cx="6858000" cy="9144000"/>
@@ -268,7 +269,7 @@
           <a:p>
             <a:fld id="{4B67F253-6B47-435C-8F61-4C2033151D76}" type="datetimeFigureOut">
               <a:rPr lang="en-US" smtClean="0"/>
-              <a:t>3/25/2021</a:t>
+              <a:t>3/26/2021</a:t>
             </a:fld>
             <a:endParaRPr lang="en-US"/>
           </a:p>
@@ -466,7 +467,7 @@
           <a:p>
             <a:fld id="{4B67F253-6B47-435C-8F61-4C2033151D76}" type="datetimeFigureOut">
               <a:rPr lang="en-US" smtClean="0"/>
-              <a:t>3/25/2021</a:t>
+              <a:t>3/26/2021</a:t>
             </a:fld>
             <a:endParaRPr lang="en-US"/>
           </a:p>
@@ -674,7 +675,7 @@
           <a:p>
             <a:fld id="{4B67F253-6B47-435C-8F61-4C2033151D76}" type="datetimeFigureOut">
               <a:rPr lang="en-US" smtClean="0"/>
-              <a:t>3/25/2021</a:t>
+              <a:t>3/26/2021</a:t>
             </a:fld>
             <a:endParaRPr lang="en-US"/>
           </a:p>
@@ -872,7 +873,7 @@
           <a:p>
             <a:fld id="{4B67F253-6B47-435C-8F61-4C2033151D76}" type="datetimeFigureOut">
               <a:rPr lang="en-US" smtClean="0"/>
-              <a:t>3/25/2021</a:t>
+              <a:t>3/26/2021</a:t>
             </a:fld>
             <a:endParaRPr lang="en-US"/>
           </a:p>
@@ -1147,7 +1148,7 @@
           <a:p>
             <a:fld id="{4B67F253-6B47-435C-8F61-4C2033151D76}" type="datetimeFigureOut">
               <a:rPr lang="en-US" smtClean="0"/>
-              <a:t>3/25/2021</a:t>
+              <a:t>3/26/2021</a:t>
             </a:fld>
             <a:endParaRPr lang="en-US"/>
           </a:p>
@@ -1412,7 +1413,7 @@
           <a:p>
             <a:fld id="{4B67F253-6B47-435C-8F61-4C2033151D76}" type="datetimeFigureOut">
               <a:rPr lang="en-US" smtClean="0"/>
-              <a:t>3/25/2021</a:t>
+              <a:t>3/26/2021</a:t>
             </a:fld>
             <a:endParaRPr lang="en-US"/>
           </a:p>
@@ -1824,7 +1825,7 @@
           <a:p>
             <a:fld id="{4B67F253-6B47-435C-8F61-4C2033151D76}" type="datetimeFigureOut">
               <a:rPr lang="en-US" smtClean="0"/>
-              <a:t>3/25/2021</a:t>
+              <a:t>3/26/2021</a:t>
             </a:fld>
             <a:endParaRPr lang="en-US"/>
           </a:p>
@@ -1965,7 +1966,7 @@
           <a:p>
             <a:fld id="{4B67F253-6B47-435C-8F61-4C2033151D76}" type="datetimeFigureOut">
               <a:rPr lang="en-US" smtClean="0"/>
-              <a:t>3/25/2021</a:t>
+              <a:t>3/26/2021</a:t>
             </a:fld>
             <a:endParaRPr lang="en-US"/>
           </a:p>
@@ -2078,7 +2079,7 @@
           <a:p>
             <a:fld id="{4B67F253-6B47-435C-8F61-4C2033151D76}" type="datetimeFigureOut">
               <a:rPr lang="en-US" smtClean="0"/>
-              <a:t>3/25/2021</a:t>
+              <a:t>3/26/2021</a:t>
             </a:fld>
             <a:endParaRPr lang="en-US"/>
           </a:p>
@@ -2389,7 +2390,7 @@
           <a:p>
             <a:fld id="{4B67F253-6B47-435C-8F61-4C2033151D76}" type="datetimeFigureOut">
               <a:rPr lang="en-US" smtClean="0"/>
-              <a:t>3/25/2021</a:t>
+              <a:t>3/26/2021</a:t>
             </a:fld>
             <a:endParaRPr lang="en-US"/>
           </a:p>
@@ -2677,7 +2678,7 @@
           <a:p>
             <a:fld id="{4B67F253-6B47-435C-8F61-4C2033151D76}" type="datetimeFigureOut">
               <a:rPr lang="en-US" smtClean="0"/>
-              <a:t>3/25/2021</a:t>
+              <a:t>3/26/2021</a:t>
             </a:fld>
             <a:endParaRPr lang="en-US"/>
           </a:p>
@@ -2918,7 +2919,7 @@
           <a:p>
             <a:fld id="{4B67F253-6B47-435C-8F61-4C2033151D76}" type="datetimeFigureOut">
               <a:rPr lang="en-US" smtClean="0"/>
-              <a:t>3/25/2021</a:t>
+              <a:t>3/26/2021</a:t>
             </a:fld>
             <a:endParaRPr lang="en-US"/>
           </a:p>
@@ -11013,6 +11014,131 @@
 </p:sld>
 </file>
 
+<file path=ppt/slides/slide11.xml><?xml version="1.0" encoding="utf-8"?>
+<p:sld xmlns:a="http://schemas.openxmlformats.org/drawingml/2006/main" xmlns:r="http://schemas.openxmlformats.org/officeDocument/2006/relationships" xmlns:p="http://schemas.openxmlformats.org/presentationml/2006/main">
+  <p:cSld>
+    <p:spTree>
+      <p:nvGrpSpPr>
+        <p:cNvPr id="1" name=""/>
+        <p:cNvGrpSpPr/>
+        <p:nvPr/>
+      </p:nvGrpSpPr>
+      <p:grpSpPr>
+        <a:xfrm>
+          <a:off x="0" y="0"/>
+          <a:ext cx="0" cy="0"/>
+          <a:chOff x="0" y="0"/>
+          <a:chExt cx="0" cy="0"/>
+        </a:xfrm>
+      </p:grpSpPr>
+      <p:sp>
+        <p:nvSpPr>
+          <p:cNvPr id="2" name="Title 1">
+            <a:extLst>
+              <a:ext uri="{FF2B5EF4-FFF2-40B4-BE49-F238E27FC236}">
+                <a16:creationId xmlns:a16="http://schemas.microsoft.com/office/drawing/2014/main" id="{8941CBC5-336B-4FAE-94B0-BE889EF5551C}"/>
+              </a:ext>
+            </a:extLst>
+          </p:cNvPr>
+          <p:cNvSpPr>
+            <a:spLocks noGrp="1"/>
+          </p:cNvSpPr>
+          <p:nvPr>
+            <p:ph type="title"/>
+          </p:nvPr>
+        </p:nvSpPr>
+        <p:spPr/>
+        <p:txBody>
+          <a:bodyPr>
+            <a:normAutofit/>
+          </a:bodyPr>
+          <a:lstStyle/>
+          <a:p>
+            <a:r>
+              <a:rPr lang="en-US" sz="2800" dirty="0"/>
+              <a:t>Summary and conclusion</a:t>
+            </a:r>
+          </a:p>
+        </p:txBody>
+      </p:sp>
+      <p:sp>
+        <p:nvSpPr>
+          <p:cNvPr id="3" name="Content Placeholder 2">
+            <a:extLst>
+              <a:ext uri="{FF2B5EF4-FFF2-40B4-BE49-F238E27FC236}">
+                <a16:creationId xmlns:a16="http://schemas.microsoft.com/office/drawing/2014/main" id="{B1A95C1B-6C81-414C-811F-E5295C4540AB}"/>
+              </a:ext>
+            </a:extLst>
+          </p:cNvPr>
+          <p:cNvSpPr>
+            <a:spLocks noGrp="1"/>
+          </p:cNvSpPr>
+          <p:nvPr>
+            <p:ph idx="1"/>
+          </p:nvPr>
+        </p:nvSpPr>
+        <p:spPr/>
+        <p:txBody>
+          <a:bodyPr/>
+          <a:lstStyle/>
+          <a:p>
+            <a:r>
+              <a:rPr lang="en-US" sz="1800" dirty="0">
+                <a:solidFill>
+                  <a:srgbClr val="000000"/>
+                </a:solidFill>
+                <a:effectLst/>
+                <a:latin typeface="Helvetica" panose="020B0604020202020204" pitchFamily="34" charset="0"/>
+                <a:ea typeface="Calibri" panose="020F0502020204030204" pitchFamily="34" charset="0"/>
+                <a:cs typeface="Times New Roman" panose="02020603050405020304" pitchFamily="18" charset="0"/>
+              </a:rPr>
+              <a:t>As noted,  ARIMA modeling fails to effectively capture the trend. An alternative model is used be to analyze the result, as a conclusion Facebook prophet is more accurate in predicting the water label and its error is low than ARIMA. It follows the same pattern whatever past data shows. Minimum label is -27m and maximum label is -24m it indicates that predicted water label is in not vary much with respect to actual label.</a:t>
+            </a:r>
+            <a:endParaRPr lang="en-US" sz="1800" dirty="0">
+              <a:effectLst/>
+              <a:latin typeface="Calibri" panose="020F0502020204030204" pitchFamily="34" charset="0"/>
+              <a:ea typeface="Calibri" panose="020F0502020204030204" pitchFamily="34" charset="0"/>
+              <a:cs typeface="Times New Roman" panose="02020603050405020304" pitchFamily="18" charset="0"/>
+            </a:endParaRPr>
+          </a:p>
+          <a:p>
+            <a:r>
+              <a:rPr lang="en-US" sz="1800" dirty="0">
+                <a:solidFill>
+                  <a:srgbClr val="000000"/>
+                </a:solidFill>
+                <a:effectLst/>
+                <a:latin typeface="Helvetica" panose="020B0604020202020204" pitchFamily="34" charset="0"/>
+                <a:ea typeface="Calibri" panose="020F0502020204030204" pitchFamily="34" charset="0"/>
+                <a:cs typeface="Times New Roman" panose="02020603050405020304" pitchFamily="18" charset="0"/>
+              </a:rPr>
+              <a:t>Predicted value shows almost same cyclic pattern to actual data Beginning of year label is up and end quarter label goes down. Predicted label range from -27m to -24.4m so label varies between 3 m range. So, in the month of May and June water label is up, may be due to temperature. We must control on water supply but in the last quarter water label is down, so we do not have to control the supply. 365 days ahead value shows same cyclic pattern.</a:t>
+            </a:r>
+            <a:endParaRPr lang="en-US" sz="1800" dirty="0">
+              <a:effectLst/>
+              <a:latin typeface="Calibri" panose="020F0502020204030204" pitchFamily="34" charset="0"/>
+              <a:ea typeface="Calibri" panose="020F0502020204030204" pitchFamily="34" charset="0"/>
+              <a:cs typeface="Times New Roman" panose="02020603050405020304" pitchFamily="18" charset="0"/>
+            </a:endParaRPr>
+          </a:p>
+          <a:p>
+            <a:endParaRPr lang="en-US" dirty="0"/>
+          </a:p>
+        </p:txBody>
+      </p:sp>
+    </p:spTree>
+    <p:extLst>
+      <p:ext uri="{BB962C8B-B14F-4D97-AF65-F5344CB8AC3E}">
+        <p14:creationId xmlns:p14="http://schemas.microsoft.com/office/powerpoint/2010/main" val="3879007807"/>
+      </p:ext>
+    </p:extLst>
+  </p:cSld>
+  <p:clrMapOvr>
+    <a:masterClrMapping/>
+  </p:clrMapOvr>
+</p:sld>
+</file>
+
 <file path=ppt/slides/slide2.xml><?xml version="1.0" encoding="utf-8"?>
 <p:sld xmlns:a="http://schemas.openxmlformats.org/drawingml/2006/main" xmlns:r="http://schemas.openxmlformats.org/officeDocument/2006/relationships" xmlns:p="http://schemas.openxmlformats.org/presentationml/2006/main">
   <p:cSld>
@@ -11747,7 +11873,7 @@
           <a:p>
             <a:r>
               <a:rPr lang="en-US" sz="1800" b="1" dirty="0"/>
-              <a:t>When I go through my dataset it shows me trend.</a:t>
+              <a:t>When I go through my dataset it shows me cyclic pattern.</a:t>
             </a:r>
           </a:p>
           <a:p>
